--- a/powerpoint files/Session2.pptx
+++ b/powerpoint files/Session2.pptx
@@ -129,6 +129,11 @@
       </a:defRPr>
     </a:lvl9pPr>
   </p:defaultTextStyle>
+  <p:extLst>
+    <p:ext uri="{EFAFB233-063F-42B5-8137-9DF3F51BA10A}">
+      <p15:sldGuideLst xmlns:p15="http://schemas.microsoft.com/office/powerpoint/2012/main"/>
+    </p:ext>
+  </p:extLst>
 </p:presentation>
 </file>
 
@@ -8537,7 +8542,7 @@
               </a:tabLst>
             </a:pPr>
             <a:r>
-              <a:rPr lang="en-US" sz="3200" b="0" strike="noStrike" spc="-1">
+              <a:rPr lang="en-US" sz="3200" b="0" strike="noStrike" spc="-1" dirty="0">
                 <a:solidFill>
                   <a:srgbClr val="8B8B8B"/>
                 </a:solidFill>
@@ -8546,7 +8551,7 @@
               </a:rPr>
               <a:t>Irina &amp; Rao</a:t>
             </a:r>
-            <a:endParaRPr lang="en-GB" sz="3200" b="0" strike="noStrike" spc="-1">
+            <a:endParaRPr lang="en-GB" sz="3200" b="0" strike="noStrike" spc="-1" dirty="0">
               <a:latin typeface="Arial"/>
             </a:endParaRPr>
           </a:p>
@@ -8570,9 +8575,19 @@
                 <a:latin typeface="Calibri"/>
                 <a:ea typeface="DejaVu Sans"/>
               </a:rPr>
-              <a:t>Hilary 2022</a:t>
-            </a:r>
-            <a:endParaRPr lang="en-GB" sz="3200" b="0" strike="noStrike" spc="-1">
+              <a:t>Trinity </a:t>
+            </a:r>
+            <a:r>
+              <a:rPr lang="en-US" sz="3200" b="0" strike="noStrike" spc="-1" dirty="0">
+                <a:solidFill>
+                  <a:srgbClr val="8B8B8B"/>
+                </a:solidFill>
+                <a:latin typeface="Calibri"/>
+                <a:ea typeface="DejaVu Sans"/>
+              </a:rPr>
+              <a:t>2022</a:t>
+            </a:r>
+            <a:endParaRPr lang="en-GB" sz="3200" b="0" strike="noStrike" spc="-1" dirty="0">
               <a:latin typeface="Arial"/>
             </a:endParaRPr>
           </a:p>
